--- a/大模型.pptx
+++ b/大模型.pptx
@@ -11,6 +11,8 @@
     <p:sldId id="259" r:id="rId6"/>
     <p:sldId id="260" r:id="rId7"/>
     <p:sldId id="261" r:id="rId8"/>
+    <p:sldId id="263" r:id="rId9"/>
+    <p:sldId id="264" r:id="rId10"/>
   </p:sldIdLst>
   <p:sldSz cx="12192000" cy="6858000"/>
   <p:notesSz cx="6858000" cy="9144000"/>
@@ -3415,7 +3417,6 @@
             </a:r>
             <a:r>
               <a:rPr lang="zh-CN" altLang="en-US">
-                <a:ln/>
                 <a:solidFill>
                   <a:srgbClr val="FF0000"/>
                 </a:solidFill>
@@ -3432,7 +3433,6 @@
               <a:t>词嵌入。</a:t>
             </a:r>
             <a:endParaRPr lang="zh-CN" altLang="en-US">
-              <a:ln/>
               <a:solidFill>
                 <a:srgbClr val="FF0000"/>
               </a:solidFill>
@@ -3460,7 +3460,6 @@
               </a:spcAft>
             </a:pPr>
             <a:endParaRPr lang="zh-CN" altLang="en-US">
-              <a:ln/>
               <a:solidFill>
                 <a:srgbClr val="FF0000"/>
               </a:solidFill>
@@ -4577,7 +4576,7 @@
         <p:spPr>
           <a:xfrm>
             <a:off x="228600" y="5127625"/>
-            <a:ext cx="4627880" cy="922020"/>
+            <a:ext cx="4627880" cy="1337945"/>
           </a:xfrm>
           <a:prstGeom prst="rect">
             <a:avLst/>
@@ -4612,7 +4611,19 @@
             </a:pPr>
             <a:r>
               <a:rPr lang="zh-CN" altLang="en-US"/>
-              <a:t>缺陷：微调阶段不会出现</a:t>
+              <a:t>缺陷：预训练将很大程度上关注</a:t>
+            </a:r>
+            <a:r>
+              <a:rPr lang="en-US" altLang="zh-CN"/>
+              <a:t>mask token</a:t>
+            </a:r>
+            <a:r>
+              <a:rPr lang="zh-CN" altLang="en-US"/>
+              <a:t>的</a:t>
+            </a:r>
+            <a:r>
+              <a:rPr lang="zh-CN" altLang="en-US"/>
+              <a:t>编码，并且微调阶段不会出现</a:t>
             </a:r>
             <a:r>
               <a:rPr lang="en-US" altLang="zh-CN"/>
@@ -4680,7 +4691,7 @@
         <p:spPr>
           <a:xfrm>
             <a:off x="6372860" y="4689475"/>
-            <a:ext cx="4304665" cy="2168525"/>
+            <a:ext cx="4798060" cy="2168525"/>
           </a:xfrm>
           <a:prstGeom prst="rect">
             <a:avLst/>
@@ -4727,15 +4738,11 @@
             </a:r>
             <a:r>
               <a:rPr lang="zh-CN" altLang="en-US"/>
-              <a:t>（需要对所有</a:t>
-            </a:r>
-            <a:r>
-              <a:rPr lang="en-US" altLang="zh-CN"/>
-              <a:t>token</a:t>
+              <a:t>（不知道会预测哪个</a:t>
             </a:r>
             <a:r>
               <a:rPr lang="zh-CN" altLang="en-US"/>
-              <a:t>监督）</a:t>
+              <a:t>词）</a:t>
             </a:r>
             <a:endParaRPr lang="en-US" altLang="zh-CN"/>
           </a:p>
@@ -4751,32 +4758,682 @@
             </a:r>
             <a:r>
               <a:rPr lang="zh-CN" altLang="en-US"/>
-              <a:t>不掩码但替换成随机词</a:t>
-            </a:r>
-            <a:r>
-              <a:rPr lang="en-US" altLang="zh-CN"/>
-              <a:t>(</a:t>
+              <a:t>不掩码但替换成随机词（不知道哪个词是</a:t>
             </a:r>
             <a:r>
               <a:rPr lang="zh-CN" altLang="en-US"/>
-              <a:t>模型需要关注每个</a:t>
-            </a:r>
-            <a:r>
-              <a:rPr lang="en-US" altLang="zh-CN"/>
-              <a:t>token</a:t>
-            </a:r>
-            <a:r>
-              <a:rPr lang="zh-CN" altLang="en-US"/>
-              <a:t>的</a:t>
-            </a:r>
-            <a:r>
-              <a:rPr lang="zh-CN" altLang="en-US"/>
-              <a:t>上下文）</a:t>
-            </a:r>
-            <a:endParaRPr lang="zh-CN" altLang="en-US"/>
-          </a:p>
-        </p:txBody>
-      </p:sp>
+              <a:t>正确的）</a:t>
+            </a:r>
+            <a:endParaRPr lang="zh-CN" altLang="en-US"/>
+          </a:p>
+        </p:txBody>
+      </p:sp>
+    </p:spTree>
+  </p:cSld>
+  <p:clrMapOvr>
+    <a:masterClrMapping/>
+  </p:clrMapOvr>
+</p:sld>
+</file>
+
+<file path=ppt/slides/slide7.xml><?xml version="1.0" encoding="utf-8"?>
+<p:sld xmlns:a="http://schemas.openxmlformats.org/drawingml/2006/main" xmlns:r="http://schemas.openxmlformats.org/officeDocument/2006/relationships" xmlns:p="http://schemas.openxmlformats.org/presentationml/2006/main">
+  <p:cSld>
+    <p:spTree>
+      <p:nvGrpSpPr>
+        <p:cNvPr id="1" name=""/>
+        <p:cNvGrpSpPr/>
+        <p:nvPr/>
+      </p:nvGrpSpPr>
+      <p:grpSpPr/>
+      <p:sp>
+        <p:nvSpPr>
+          <p:cNvPr id="4" name="文本框 3"/>
+          <p:cNvSpPr txBox="1"/>
+          <p:nvPr/>
+        </p:nvSpPr>
+        <p:spPr>
+          <a:xfrm>
+            <a:off x="671830" y="396875"/>
+            <a:ext cx="7616825" cy="460375"/>
+          </a:xfrm>
+          <a:prstGeom prst="rect">
+            <a:avLst/>
+          </a:prstGeom>
+          <a:noFill/>
+        </p:spPr>
+        <p:txBody>
+          <a:bodyPr wrap="square" rtlCol="0">
+            <a:spAutoFit/>
+          </a:bodyPr>
+          <a:p>
+            <a:r>
+              <a:rPr lang="zh-CN" altLang="en-US" sz="2400"/>
+              <a:t>分词</a:t>
+            </a:r>
+            <a:r>
+              <a:rPr lang="zh-CN" altLang="en-US" sz="2400"/>
+              <a:t>粒度</a:t>
+            </a:r>
+            <a:endParaRPr lang="zh-CN" altLang="en-US" sz="2400"/>
+          </a:p>
+        </p:txBody>
+      </p:sp>
+      <p:sp>
+        <p:nvSpPr>
+          <p:cNvPr id="2" name="文本框 1"/>
+          <p:cNvSpPr txBox="1"/>
+          <p:nvPr/>
+        </p:nvSpPr>
+        <p:spPr>
+          <a:xfrm>
+            <a:off x="671830" y="951230"/>
+            <a:ext cx="10499725" cy="4246245"/>
+          </a:xfrm>
+          <a:prstGeom prst="rect">
+            <a:avLst/>
+          </a:prstGeom>
+          <a:noFill/>
+        </p:spPr>
+        <p:txBody>
+          <a:bodyPr wrap="square" rtlCol="0">
+            <a:spAutoFit/>
+          </a:bodyPr>
+          <a:p>
+            <a:pPr>
+              <a:lnSpc>
+                <a:spcPct val="150000"/>
+              </a:lnSpc>
+              <a:spcBef>
+                <a:spcPts val="0"/>
+              </a:spcBef>
+              <a:spcAft>
+                <a:spcPts val="0"/>
+              </a:spcAft>
+            </a:pPr>
+            <a:r>
+              <a:rPr lang="zh-CN" altLang="en-US">
+                <a:latin typeface="微软雅黑" panose="020B0503020204020204" charset="-122"/>
+                <a:ea typeface="微软雅黑" panose="020B0503020204020204" charset="-122"/>
+              </a:rPr>
+              <a:t>词的基本单元是</a:t>
+            </a:r>
+            <a:r>
+              <a:rPr lang="en-US" altLang="zh-CN">
+                <a:latin typeface="微软雅黑" panose="020B0503020204020204" charset="-122"/>
+                <a:ea typeface="微软雅黑" panose="020B0503020204020204" charset="-122"/>
+              </a:rPr>
+              <a:t>word</a:t>
+            </a:r>
+            <a:r>
+              <a:rPr lang="zh-CN" altLang="en-US">
+                <a:latin typeface="微软雅黑" panose="020B0503020204020204" charset="-122"/>
+                <a:ea typeface="微软雅黑" panose="020B0503020204020204" charset="-122"/>
+              </a:rPr>
+              <a:t>、字母，还是</a:t>
+            </a:r>
+            <a:r>
+              <a:rPr lang="zh-CN" altLang="en-US">
+                <a:latin typeface="微软雅黑" panose="020B0503020204020204" charset="-122"/>
+                <a:ea typeface="微软雅黑" panose="020B0503020204020204" charset="-122"/>
+              </a:rPr>
+              <a:t>什么？</a:t>
+            </a:r>
+            <a:endParaRPr lang="zh-CN" altLang="en-US">
+              <a:latin typeface="微软雅黑" panose="020B0503020204020204" charset="-122"/>
+              <a:ea typeface="微软雅黑" panose="020B0503020204020204" charset="-122"/>
+            </a:endParaRPr>
+          </a:p>
+          <a:p>
+            <a:pPr>
+              <a:lnSpc>
+                <a:spcPct val="150000"/>
+              </a:lnSpc>
+              <a:spcBef>
+                <a:spcPts val="0"/>
+              </a:spcBef>
+              <a:spcAft>
+                <a:spcPts val="0"/>
+              </a:spcAft>
+            </a:pPr>
+            <a:r>
+              <a:rPr lang="en-US" altLang="zh-CN">
+                <a:latin typeface="微软雅黑" panose="020B0503020204020204" charset="-122"/>
+                <a:ea typeface="微软雅黑" panose="020B0503020204020204" charset="-122"/>
+              </a:rPr>
+              <a:t>1.</a:t>
+            </a:r>
+            <a:r>
+              <a:rPr lang="en-US" altLang="zh-CN">
+                <a:latin typeface="微软雅黑" panose="020B0503020204020204" charset="-122"/>
+                <a:ea typeface="微软雅黑" panose="020B0503020204020204" charset="-122"/>
+              </a:rPr>
+              <a:t>word</a:t>
+            </a:r>
+            <a:endParaRPr lang="en-US" altLang="zh-CN">
+              <a:latin typeface="微软雅黑" panose="020B0503020204020204" charset="-122"/>
+              <a:ea typeface="微软雅黑" panose="020B0503020204020204" charset="-122"/>
+            </a:endParaRPr>
+          </a:p>
+          <a:p>
+            <a:pPr>
+              <a:lnSpc>
+                <a:spcPct val="150000"/>
+              </a:lnSpc>
+              <a:spcBef>
+                <a:spcPts val="0"/>
+              </a:spcBef>
+              <a:spcAft>
+                <a:spcPts val="0"/>
+              </a:spcAft>
+            </a:pPr>
+            <a:r>
+              <a:rPr lang="zh-CN" altLang="en-US">
+                <a:latin typeface="微软雅黑" panose="020B0503020204020204" charset="-122"/>
+                <a:ea typeface="微软雅黑" panose="020B0503020204020204" charset="-122"/>
+              </a:rPr>
+              <a:t>对应英文来说最自然的单元，</a:t>
+            </a:r>
+            <a:r>
+              <a:rPr lang="en-US" altLang="zh-CN">
+                <a:latin typeface="微软雅黑" panose="020B0503020204020204" charset="-122"/>
+                <a:ea typeface="微软雅黑" panose="020B0503020204020204" charset="-122"/>
+              </a:rPr>
+              <a:t>”i like apple“</a:t>
+            </a:r>
+            <a:r>
+              <a:rPr lang="zh-CN" altLang="en-US">
+                <a:latin typeface="微软雅黑" panose="020B0503020204020204" charset="-122"/>
+                <a:ea typeface="微软雅黑" panose="020B0503020204020204" charset="-122"/>
+              </a:rPr>
+              <a:t>可以按照空格划分，但是对于中文</a:t>
+            </a:r>
+            <a:r>
+              <a:rPr lang="en-US" altLang="zh-CN">
+                <a:latin typeface="微软雅黑" panose="020B0503020204020204" charset="-122"/>
+                <a:ea typeface="微软雅黑" panose="020B0503020204020204" charset="-122"/>
+              </a:rPr>
+              <a:t>“</a:t>
+            </a:r>
+            <a:r>
+              <a:rPr lang="zh-CN" altLang="en-US">
+                <a:latin typeface="微软雅黑" panose="020B0503020204020204" charset="-122"/>
+                <a:ea typeface="微软雅黑" panose="020B0503020204020204" charset="-122"/>
+              </a:rPr>
+              <a:t>我爱吃苹果</a:t>
+            </a:r>
+            <a:r>
+              <a:rPr lang="en-US" altLang="zh-CN">
+                <a:latin typeface="微软雅黑" panose="020B0503020204020204" charset="-122"/>
+                <a:ea typeface="微软雅黑" panose="020B0503020204020204" charset="-122"/>
+              </a:rPr>
+              <a:t>”</a:t>
+            </a:r>
+            <a:r>
+              <a:rPr lang="zh-CN" altLang="en-US">
+                <a:latin typeface="微软雅黑" panose="020B0503020204020204" charset="-122"/>
+                <a:ea typeface="微软雅黑" panose="020B0503020204020204" charset="-122"/>
+              </a:rPr>
+              <a:t>则比较难划分（但不</a:t>
+            </a:r>
+            <a:r>
+              <a:rPr lang="zh-CN" altLang="en-US">
+                <a:latin typeface="微软雅黑" panose="020B0503020204020204" charset="-122"/>
+                <a:ea typeface="微软雅黑" panose="020B0503020204020204" charset="-122"/>
+              </a:rPr>
+              <a:t>致命）。</a:t>
+            </a:r>
+            <a:endParaRPr lang="zh-CN" altLang="en-US">
+              <a:latin typeface="微软雅黑" panose="020B0503020204020204" charset="-122"/>
+              <a:ea typeface="微软雅黑" panose="020B0503020204020204" charset="-122"/>
+            </a:endParaRPr>
+          </a:p>
+          <a:p>
+            <a:pPr>
+              <a:lnSpc>
+                <a:spcPct val="150000"/>
+              </a:lnSpc>
+              <a:spcBef>
+                <a:spcPts val="0"/>
+              </a:spcBef>
+              <a:spcAft>
+                <a:spcPts val="0"/>
+              </a:spcAft>
+            </a:pPr>
+            <a:r>
+              <a:rPr lang="zh-CN" altLang="en-US">
+                <a:latin typeface="微软雅黑" panose="020B0503020204020204" charset="-122"/>
+                <a:ea typeface="微软雅黑" panose="020B0503020204020204" charset="-122"/>
+              </a:rPr>
+              <a:t>优点：词的含义得到</a:t>
+            </a:r>
+            <a:r>
+              <a:rPr lang="zh-CN" altLang="en-US">
+                <a:latin typeface="微软雅黑" panose="020B0503020204020204" charset="-122"/>
+                <a:ea typeface="微软雅黑" panose="020B0503020204020204" charset="-122"/>
+              </a:rPr>
+              <a:t>保留</a:t>
+            </a:r>
+            <a:endParaRPr lang="zh-CN" altLang="en-US">
+              <a:latin typeface="微软雅黑" panose="020B0503020204020204" charset="-122"/>
+              <a:ea typeface="微软雅黑" panose="020B0503020204020204" charset="-122"/>
+            </a:endParaRPr>
+          </a:p>
+          <a:p>
+            <a:pPr>
+              <a:lnSpc>
+                <a:spcPct val="150000"/>
+              </a:lnSpc>
+              <a:spcBef>
+                <a:spcPts val="0"/>
+              </a:spcBef>
+              <a:spcAft>
+                <a:spcPts val="0"/>
+              </a:spcAft>
+            </a:pPr>
+            <a:r>
+              <a:rPr lang="zh-CN" altLang="en-US">
+                <a:latin typeface="微软雅黑" panose="020B0503020204020204" charset="-122"/>
+                <a:ea typeface="微软雅黑" panose="020B0503020204020204" charset="-122"/>
+              </a:rPr>
+              <a:t>缺点：词表可能过大，对于词表之外的词无法处理</a:t>
+            </a:r>
+            <a:r>
+              <a:rPr lang="en-US" altLang="zh-CN">
+                <a:latin typeface="微软雅黑" panose="020B0503020204020204" charset="-122"/>
+                <a:ea typeface="微软雅黑" panose="020B0503020204020204" charset="-122"/>
+              </a:rPr>
+              <a:t>(Out of </a:t>
+            </a:r>
+            <a:r>
+              <a:rPr lang="en-US" altLang="zh-CN">
+                <a:latin typeface="微软雅黑" panose="020B0503020204020204" charset="-122"/>
+                <a:ea typeface="微软雅黑" panose="020B0503020204020204" charset="-122"/>
+              </a:rPr>
+              <a:t>Vocabulary)</a:t>
+            </a:r>
+            <a:r>
+              <a:rPr lang="zh-CN" altLang="en-US">
+                <a:latin typeface="微软雅黑" panose="020B0503020204020204" charset="-122"/>
+                <a:ea typeface="微软雅黑" panose="020B0503020204020204" charset="-122"/>
+              </a:rPr>
+              <a:t>，同一个词的不同形态比如</a:t>
+            </a:r>
+            <a:r>
+              <a:rPr lang="en-US" altLang="zh-CN">
+                <a:latin typeface="微软雅黑" panose="020B0503020204020204" charset="-122"/>
+                <a:ea typeface="微软雅黑" panose="020B0503020204020204" charset="-122"/>
+              </a:rPr>
+              <a:t>go</a:t>
+            </a:r>
+            <a:r>
+              <a:rPr lang="zh-CN" altLang="en-US">
+                <a:latin typeface="微软雅黑" panose="020B0503020204020204" charset="-122"/>
+                <a:ea typeface="微软雅黑" panose="020B0503020204020204" charset="-122"/>
+              </a:rPr>
+              <a:t>和</a:t>
+            </a:r>
+            <a:r>
+              <a:rPr lang="en-US" altLang="zh-CN">
+                <a:latin typeface="微软雅黑" panose="020B0503020204020204" charset="-122"/>
+                <a:ea typeface="微软雅黑" panose="020B0503020204020204" charset="-122"/>
+              </a:rPr>
+              <a:t>goes</a:t>
+            </a:r>
+            <a:r>
+              <a:rPr lang="zh-CN" altLang="en-US">
+                <a:latin typeface="微软雅黑" panose="020B0503020204020204" charset="-122"/>
+                <a:ea typeface="微软雅黑" panose="020B0503020204020204" charset="-122"/>
+              </a:rPr>
+              <a:t>当作了完全不同的</a:t>
+            </a:r>
+            <a:r>
+              <a:rPr lang="zh-CN" altLang="en-US">
+                <a:latin typeface="微软雅黑" panose="020B0503020204020204" charset="-122"/>
+                <a:ea typeface="微软雅黑" panose="020B0503020204020204" charset="-122"/>
+              </a:rPr>
+              <a:t>词。</a:t>
+            </a:r>
+            <a:endParaRPr lang="zh-CN" altLang="en-US">
+              <a:latin typeface="微软雅黑" panose="020B0503020204020204" charset="-122"/>
+              <a:ea typeface="微软雅黑" panose="020B0503020204020204" charset="-122"/>
+            </a:endParaRPr>
+          </a:p>
+          <a:p>
+            <a:pPr>
+              <a:lnSpc>
+                <a:spcPct val="150000"/>
+              </a:lnSpc>
+              <a:spcBef>
+                <a:spcPts val="0"/>
+              </a:spcBef>
+              <a:spcAft>
+                <a:spcPts val="0"/>
+              </a:spcAft>
+            </a:pPr>
+            <a:r>
+              <a:rPr lang="en-US" altLang="zh-CN">
+                <a:latin typeface="微软雅黑" panose="020B0503020204020204" charset="-122"/>
+                <a:ea typeface="微软雅黑" panose="020B0503020204020204" charset="-122"/>
+              </a:rPr>
+              <a:t>2.character</a:t>
+            </a:r>
+            <a:endParaRPr lang="en-US" altLang="zh-CN">
+              <a:latin typeface="微软雅黑" panose="020B0503020204020204" charset="-122"/>
+              <a:ea typeface="微软雅黑" panose="020B0503020204020204" charset="-122"/>
+            </a:endParaRPr>
+          </a:p>
+          <a:p>
+            <a:pPr>
+              <a:lnSpc>
+                <a:spcPct val="150000"/>
+              </a:lnSpc>
+              <a:spcBef>
+                <a:spcPts val="0"/>
+              </a:spcBef>
+              <a:spcAft>
+                <a:spcPts val="0"/>
+              </a:spcAft>
+            </a:pPr>
+            <a:r>
+              <a:rPr lang="zh-CN" altLang="en-US">
+                <a:latin typeface="微软雅黑" panose="020B0503020204020204" charset="-122"/>
+                <a:ea typeface="微软雅黑" panose="020B0503020204020204" charset="-122"/>
+              </a:rPr>
+              <a:t>优点：词表小，解决</a:t>
+            </a:r>
+            <a:r>
+              <a:rPr lang="en-US" altLang="zh-CN">
+                <a:latin typeface="微软雅黑" panose="020B0503020204020204" charset="-122"/>
+                <a:ea typeface="微软雅黑" panose="020B0503020204020204" charset="-122"/>
+              </a:rPr>
+              <a:t>OOV</a:t>
+            </a:r>
+            <a:r>
+              <a:rPr lang="zh-CN" altLang="en-US">
+                <a:latin typeface="微软雅黑" panose="020B0503020204020204" charset="-122"/>
+                <a:ea typeface="微软雅黑" panose="020B0503020204020204" charset="-122"/>
+              </a:rPr>
+              <a:t>问题</a:t>
+            </a:r>
+            <a:endParaRPr lang="zh-CN" altLang="en-US">
+              <a:latin typeface="微软雅黑" panose="020B0503020204020204" charset="-122"/>
+              <a:ea typeface="微软雅黑" panose="020B0503020204020204" charset="-122"/>
+            </a:endParaRPr>
+          </a:p>
+          <a:p>
+            <a:pPr>
+              <a:lnSpc>
+                <a:spcPct val="150000"/>
+              </a:lnSpc>
+              <a:spcBef>
+                <a:spcPts val="0"/>
+              </a:spcBef>
+              <a:spcAft>
+                <a:spcPts val="0"/>
+              </a:spcAft>
+            </a:pPr>
+            <a:r>
+              <a:rPr lang="zh-CN" altLang="en-US">
+                <a:latin typeface="微软雅黑" panose="020B0503020204020204" charset="-122"/>
+                <a:ea typeface="微软雅黑" panose="020B0503020204020204" charset="-122"/>
+              </a:rPr>
+              <a:t>缺点：粒度太细无法承载丰富语义，计算成本的</a:t>
+            </a:r>
+            <a:r>
+              <a:rPr lang="zh-CN" altLang="en-US">
+                <a:latin typeface="微软雅黑" panose="020B0503020204020204" charset="-122"/>
+                <a:ea typeface="微软雅黑" panose="020B0503020204020204" charset="-122"/>
+              </a:rPr>
+              <a:t>增长</a:t>
+            </a:r>
+            <a:endParaRPr lang="zh-CN" altLang="en-US">
+              <a:latin typeface="微软雅黑" panose="020B0503020204020204" charset="-122"/>
+              <a:ea typeface="微软雅黑" panose="020B0503020204020204" charset="-122"/>
+            </a:endParaRPr>
+          </a:p>
+        </p:txBody>
+      </p:sp>
+    </p:spTree>
+  </p:cSld>
+  <p:clrMapOvr>
+    <a:masterClrMapping/>
+  </p:clrMapOvr>
+</p:sld>
+</file>
+
+<file path=ppt/slides/slide8.xml><?xml version="1.0" encoding="utf-8"?>
+<p:sld xmlns:a="http://schemas.openxmlformats.org/drawingml/2006/main" xmlns:r="http://schemas.openxmlformats.org/officeDocument/2006/relationships" xmlns:p="http://schemas.openxmlformats.org/presentationml/2006/main">
+  <p:cSld>
+    <p:spTree>
+      <p:nvGrpSpPr>
+        <p:cNvPr id="1" name=""/>
+        <p:cNvGrpSpPr/>
+        <p:nvPr/>
+      </p:nvGrpSpPr>
+      <p:grpSpPr/>
+      <p:sp>
+        <p:nvSpPr>
+          <p:cNvPr id="4" name="文本框 3"/>
+          <p:cNvSpPr txBox="1"/>
+          <p:nvPr/>
+        </p:nvSpPr>
+        <p:spPr>
+          <a:xfrm>
+            <a:off x="671830" y="396875"/>
+            <a:ext cx="7616825" cy="460375"/>
+          </a:xfrm>
+          <a:prstGeom prst="rect">
+            <a:avLst/>
+          </a:prstGeom>
+          <a:noFill/>
+        </p:spPr>
+        <p:txBody>
+          <a:bodyPr wrap="square" rtlCol="0">
+            <a:spAutoFit/>
+          </a:bodyPr>
+          <a:p>
+            <a:r>
+              <a:rPr lang="zh-CN" altLang="en-US" sz="2400"/>
+              <a:t>分词</a:t>
+            </a:r>
+            <a:r>
+              <a:rPr lang="zh-CN" altLang="en-US" sz="2400"/>
+              <a:t>粒度</a:t>
+            </a:r>
+            <a:endParaRPr lang="zh-CN" altLang="en-US" sz="2400"/>
+          </a:p>
+        </p:txBody>
+      </p:sp>
+      <p:sp>
+        <p:nvSpPr>
+          <p:cNvPr id="2" name="文本框 1"/>
+          <p:cNvSpPr txBox="1"/>
+          <p:nvPr/>
+        </p:nvSpPr>
+        <p:spPr>
+          <a:xfrm>
+            <a:off x="671830" y="777240"/>
+            <a:ext cx="10499725" cy="1337945"/>
+          </a:xfrm>
+          <a:prstGeom prst="rect">
+            <a:avLst/>
+          </a:prstGeom>
+          <a:noFill/>
+        </p:spPr>
+        <p:txBody>
+          <a:bodyPr wrap="square" rtlCol="0">
+            <a:spAutoFit/>
+          </a:bodyPr>
+          <a:p>
+            <a:pPr>
+              <a:lnSpc>
+                <a:spcPct val="150000"/>
+              </a:lnSpc>
+              <a:spcBef>
+                <a:spcPts val="0"/>
+              </a:spcBef>
+              <a:spcAft>
+                <a:spcPts val="0"/>
+              </a:spcAft>
+            </a:pPr>
+            <a:r>
+              <a:rPr lang="en-US" altLang="zh-CN">
+                <a:latin typeface="微软雅黑" panose="020B0503020204020204" charset="-122"/>
+                <a:ea typeface="微软雅黑" panose="020B0503020204020204" charset="-122"/>
+              </a:rPr>
+              <a:t>3.</a:t>
+            </a:r>
+            <a:r>
+              <a:rPr lang="en-US" altLang="zh-CN">
+                <a:latin typeface="微软雅黑" panose="020B0503020204020204" charset="-122"/>
+                <a:ea typeface="微软雅黑" panose="020B0503020204020204" charset="-122"/>
+              </a:rPr>
+              <a:t>subword</a:t>
+            </a:r>
+            <a:endParaRPr lang="en-US" altLang="zh-CN">
+              <a:latin typeface="微软雅黑" panose="020B0503020204020204" charset="-122"/>
+              <a:ea typeface="微软雅黑" panose="020B0503020204020204" charset="-122"/>
+            </a:endParaRPr>
+          </a:p>
+          <a:p>
+            <a:pPr>
+              <a:lnSpc>
+                <a:spcPct val="150000"/>
+              </a:lnSpc>
+              <a:spcBef>
+                <a:spcPts val="0"/>
+              </a:spcBef>
+              <a:spcAft>
+                <a:spcPts val="0"/>
+              </a:spcAft>
+            </a:pPr>
+            <a:r>
+              <a:rPr lang="en-US" altLang="zh-CN">
+                <a:latin typeface="微软雅黑" panose="020B0503020204020204" charset="-122"/>
+                <a:ea typeface="微软雅黑" panose="020B0503020204020204" charset="-122"/>
+              </a:rPr>
+              <a:t>3.1 BPE</a:t>
+            </a:r>
+            <a:r>
+              <a:rPr lang="zh-CN" altLang="en-US">
+                <a:latin typeface="微软雅黑" panose="020B0503020204020204" charset="-122"/>
+                <a:ea typeface="微软雅黑" panose="020B0503020204020204" charset="-122"/>
+              </a:rPr>
+              <a:t>算法</a:t>
+            </a:r>
+            <a:endParaRPr lang="zh-CN" altLang="en-US">
+              <a:latin typeface="微软雅黑" panose="020B0503020204020204" charset="-122"/>
+              <a:ea typeface="微软雅黑" panose="020B0503020204020204" charset="-122"/>
+            </a:endParaRPr>
+          </a:p>
+          <a:p>
+            <a:pPr>
+              <a:lnSpc>
+                <a:spcPct val="150000"/>
+              </a:lnSpc>
+              <a:spcBef>
+                <a:spcPts val="0"/>
+              </a:spcBef>
+              <a:spcAft>
+                <a:spcPts val="0"/>
+              </a:spcAft>
+            </a:pPr>
+            <a:endParaRPr lang="zh-CN" altLang="en-US">
+              <a:latin typeface="微软雅黑" panose="020B0503020204020204" charset="-122"/>
+              <a:ea typeface="微软雅黑" panose="020B0503020204020204" charset="-122"/>
+            </a:endParaRPr>
+          </a:p>
+        </p:txBody>
+      </p:sp>
+      <p:pic>
+        <p:nvPicPr>
+          <p:cNvPr id="3" name="图片 2"/>
+          <p:cNvPicPr/>
+          <p:nvPr/>
+        </p:nvPicPr>
+        <p:blipFill>
+          <a:blip r:embed="rId1"/>
+          <a:stretch>
+            <a:fillRect/>
+          </a:stretch>
+        </p:blipFill>
+        <p:spPr>
+          <a:xfrm>
+            <a:off x="1290320" y="1613535"/>
+            <a:ext cx="9262110" cy="1176655"/>
+          </a:xfrm>
+          <a:prstGeom prst="rect">
+            <a:avLst/>
+          </a:prstGeom>
+        </p:spPr>
+      </p:pic>
+      <p:pic>
+        <p:nvPicPr>
+          <p:cNvPr id="5" name="图片 4"/>
+          <p:cNvPicPr/>
+          <p:nvPr/>
+        </p:nvPicPr>
+        <p:blipFill>
+          <a:blip r:embed="rId2"/>
+          <a:stretch>
+            <a:fillRect/>
+          </a:stretch>
+        </p:blipFill>
+        <p:spPr>
+          <a:xfrm>
+            <a:off x="0" y="2726479"/>
+            <a:ext cx="12192000" cy="1159933"/>
+          </a:xfrm>
+          <a:prstGeom prst="rect">
+            <a:avLst/>
+          </a:prstGeom>
+        </p:spPr>
+      </p:pic>
+      <p:pic>
+        <p:nvPicPr>
+          <p:cNvPr id="6" name="图片 5"/>
+          <p:cNvPicPr/>
+          <p:nvPr/>
+        </p:nvPicPr>
+        <p:blipFill>
+          <a:blip r:embed="rId3"/>
+          <a:stretch>
+            <a:fillRect/>
+          </a:stretch>
+        </p:blipFill>
+        <p:spPr>
+          <a:xfrm>
+            <a:off x="0" y="3886412"/>
+            <a:ext cx="12192000" cy="1176866"/>
+          </a:xfrm>
+          <a:prstGeom prst="rect">
+            <a:avLst/>
+          </a:prstGeom>
+        </p:spPr>
+      </p:pic>
+      <p:pic>
+        <p:nvPicPr>
+          <p:cNvPr id="7" name="图片 6"/>
+          <p:cNvPicPr/>
+          <p:nvPr/>
+        </p:nvPicPr>
+        <p:blipFill>
+          <a:blip r:embed="rId4"/>
+          <a:stretch>
+            <a:fillRect/>
+          </a:stretch>
+        </p:blipFill>
+        <p:spPr>
+          <a:xfrm>
+            <a:off x="58420" y="4912056"/>
+            <a:ext cx="12192000" cy="1208378"/>
+          </a:xfrm>
+          <a:prstGeom prst="rect">
+            <a:avLst/>
+          </a:prstGeom>
+        </p:spPr>
+      </p:pic>
     </p:spTree>
   </p:cSld>
   <p:clrMapOvr>
